--- a/Презентация к КП.pptx
+++ b/Презентация к КП.pptx
@@ -227,7 +227,7 @@
             <a:pPr rtl="0"/>
             <a:fld id="{F922A8B2-3DF1-4687-9B24-D72CA4064196}" type="datetime1">
               <a:rPr lang="ru-RU" noProof="1" smtClean="0"/>
-              <a:t>16.12.2020</a:t>
+              <a:t>17.12.2020</a:t>
             </a:fld>
             <a:endParaRPr lang="ru-RU" noProof="1"/>
           </a:p>
@@ -397,7 +397,7 @@
             <a:pPr rtl="0"/>
             <a:fld id="{2B560CA2-4614-41A2-B6D0-7CA45B59CBE5}" type="datetime1">
               <a:rPr lang="ru-RU" noProof="1" smtClean="0"/>
-              <a:t>16.12.2020</a:t>
+              <a:t>17.12.2020</a:t>
             </a:fld>
             <a:endParaRPr lang="ru-RU" noProof="1"/>
           </a:p>
@@ -800,7 +800,7 @@
             <a:pPr rtl="0"/>
             <a:fld id="{C569FF07-BB05-4114-B1E3-7C3B6DE8DE8F}" type="datetime1">
               <a:rPr lang="ru-RU" noProof="1" smtClean="0"/>
-              <a:t>16.12.2020</a:t>
+              <a:t>17.12.2020</a:t>
             </a:fld>
             <a:endParaRPr lang="ru-RU" noProof="1"/>
           </a:p>
@@ -973,7 +973,7 @@
             <a:pPr rtl="0"/>
             <a:fld id="{CDE3AA5E-BD7D-4013-89D6-C97B955389BE}" type="datetime1">
               <a:rPr lang="ru-RU" noProof="1" smtClean="0"/>
-              <a:t>16.12.2020</a:t>
+              <a:t>17.12.2020</a:t>
             </a:fld>
             <a:endParaRPr lang="ru-RU" noProof="1"/>
           </a:p>
@@ -1156,7 +1156,7 @@
             <a:pPr rtl="0"/>
             <a:fld id="{CD5AA3EF-F244-4B65-AFCF-CCF424363F5C}" type="datetime1">
               <a:rPr lang="ru-RU" noProof="1" smtClean="0"/>
-              <a:t>16.12.2020</a:t>
+              <a:t>17.12.2020</a:t>
             </a:fld>
             <a:endParaRPr lang="ru-RU" noProof="1"/>
           </a:p>
@@ -1329,7 +1329,7 @@
             <a:pPr rtl="0"/>
             <a:fld id="{9E916876-D372-4A89-8672-BAC77BAB710B}" type="datetime1">
               <a:rPr lang="ru-RU" noProof="1" smtClean="0"/>
-              <a:t>16.12.2020</a:t>
+              <a:t>17.12.2020</a:t>
             </a:fld>
             <a:endParaRPr lang="ru-RU" noProof="1"/>
           </a:p>
@@ -1578,7 +1578,7 @@
             <a:pPr rtl="0"/>
             <a:fld id="{D4B3804B-8DB7-4E1C-AC30-6BB19C9A7B16}" type="datetime1">
               <a:rPr lang="ru-RU" noProof="1" smtClean="0"/>
-              <a:t>16.12.2020</a:t>
+              <a:t>17.12.2020</a:t>
             </a:fld>
             <a:endParaRPr lang="ru-RU" noProof="1"/>
           </a:p>
@@ -1813,7 +1813,7 @@
             <a:pPr rtl="0"/>
             <a:fld id="{8EBB86F1-A8C2-4E8C-A650-28D4B86DA54A}" type="datetime1">
               <a:rPr lang="ru-RU" noProof="1" smtClean="0"/>
-              <a:t>16.12.2020</a:t>
+              <a:t>17.12.2020</a:t>
             </a:fld>
             <a:endParaRPr lang="ru-RU" noProof="1"/>
           </a:p>
@@ -2185,7 +2185,7 @@
             <a:pPr rtl="0"/>
             <a:fld id="{54344988-1C63-485B-9B8A-8D49EE1D3199}" type="datetime1">
               <a:rPr lang="ru-RU" noProof="1" smtClean="0"/>
-              <a:t>16.12.2020</a:t>
+              <a:t>17.12.2020</a:t>
             </a:fld>
             <a:endParaRPr lang="ru-RU" noProof="1"/>
           </a:p>
@@ -2306,7 +2306,7 @@
             <a:pPr rtl="0"/>
             <a:fld id="{EA9FF145-BDDE-4626-AC68-931FAD4FDABA}" type="datetime1">
               <a:rPr lang="ru-RU" noProof="1" smtClean="0"/>
-              <a:t>16.12.2020</a:t>
+              <a:t>17.12.2020</a:t>
             </a:fld>
             <a:endParaRPr lang="ru-RU" noProof="1"/>
           </a:p>
@@ -2404,7 +2404,7 @@
             <a:pPr rtl="0"/>
             <a:fld id="{BA2FA4C1-5DC8-45E8-AF33-8AB554A0AE2B}" type="datetime1">
               <a:rPr lang="ru-RU" noProof="1" smtClean="0"/>
-              <a:t>16.12.2020</a:t>
+              <a:t>17.12.2020</a:t>
             </a:fld>
             <a:endParaRPr lang="ru-RU" noProof="1"/>
           </a:p>
@@ -2685,7 +2685,7 @@
             <a:pPr rtl="0"/>
             <a:fld id="{EA1C7E1D-3C75-4DAD-91BF-DB739C2481AD}" type="datetime1">
               <a:rPr lang="ru-RU" noProof="1" smtClean="0"/>
-              <a:t>16.12.2020</a:t>
+              <a:t>17.12.2020</a:t>
             </a:fld>
             <a:endParaRPr lang="ru-RU" noProof="1"/>
           </a:p>
@@ -2946,7 +2946,7 @@
             <a:pPr rtl="0"/>
             <a:fld id="{695122BC-DC8B-4169-8E49-F72299D65947}" type="datetime1">
               <a:rPr lang="ru-RU" noProof="1" smtClean="0"/>
-              <a:t>16.12.2020</a:t>
+              <a:t>17.12.2020</a:t>
             </a:fld>
             <a:endParaRPr lang="ru-RU" noProof="1"/>
           </a:p>
@@ -3162,7 +3162,7 @@
             <a:pPr rtl="0"/>
             <a:fld id="{8EBB86F1-A8C2-4E8C-A650-28D4B86DA54A}" type="datetime1">
               <a:rPr lang="ru-RU" noProof="1" smtClean="0"/>
-              <a:t>16.12.2020</a:t>
+              <a:t>17.12.2020</a:t>
             </a:fld>
             <a:endParaRPr lang="ru-RU" noProof="1"/>
           </a:p>
@@ -4222,13 +4222,13 @@
   <p:clrMapOvr>
     <a:masterClrMapping/>
   </p:clrMapOvr>
-  <mc:AlternateContent xmlns:mc="http://schemas.openxmlformats.org/markup-compatibility/2006">
-    <mc:Choice xmlns:p159="http://schemas.microsoft.com/office/powerpoint/2015/09/main" Requires="p159">
+  <mc:AlternateContent xmlns:mc="http://schemas.openxmlformats.org/markup-compatibility/2006" xmlns:p159="http://schemas.microsoft.com/office/powerpoint/2015/09/main">
+    <mc:Choice Requires="p159">
       <p:transition xmlns:p14="http://schemas.microsoft.com/office/powerpoint/2010/main" spd="slow" p14:dur="2000">
         <p159:morph option="byObject"/>
       </p:transition>
     </mc:Choice>
-    <mc:Fallback>
+    <mc:Fallback xmlns="">
       <p:transition spd="slow">
         <p:fade/>
       </p:transition>
@@ -4688,13 +4688,13 @@
   <p:clrMapOvr>
     <a:masterClrMapping/>
   </p:clrMapOvr>
-  <mc:AlternateContent xmlns:mc="http://schemas.openxmlformats.org/markup-compatibility/2006">
-    <mc:Choice xmlns:p159="http://schemas.microsoft.com/office/powerpoint/2015/09/main" Requires="p159">
+  <mc:AlternateContent xmlns:mc="http://schemas.openxmlformats.org/markup-compatibility/2006" xmlns:p159="http://schemas.microsoft.com/office/powerpoint/2015/09/main">
+    <mc:Choice Requires="p159">
       <p:transition xmlns:p14="http://schemas.microsoft.com/office/powerpoint/2010/main" spd="slow" p14:dur="2000">
         <p159:morph option="byObject"/>
       </p:transition>
     </mc:Choice>
-    <mc:Fallback>
+    <mc:Fallback xmlns="">
       <p:transition spd="slow">
         <p:fade/>
       </p:transition>
@@ -4788,11 +4788,11 @@
           <a:p>
             <a:r>
               <a:rPr lang="ru-RU" dirty="0"/>
-              <a:t>В результате написания данной курсовой работы было спроектировано и разработано мобильное приложение для синтеза речи и чтения текстов «</a:t>
-            </a:r>
-            <a:r>
-              <a:rPr lang="en-US" dirty="0"/>
-              <a:t>Chatty</a:t>
+              <a:t>В результате написания данного курсового проекта было спроектировано и разработано мобильное приложение для синтеза речи и чтения текстов «</a:t>
+            </a:r>
+            <a:r>
+              <a:rPr lang="en-US" dirty="0" err="1"/>
+              <a:t>Speechy</a:t>
             </a:r>
             <a:r>
               <a:rPr lang="ru-RU" dirty="0"/>
@@ -4927,13 +4927,13 @@
   <p:clrMapOvr>
     <a:masterClrMapping/>
   </p:clrMapOvr>
-  <mc:AlternateContent xmlns:mc="http://schemas.openxmlformats.org/markup-compatibility/2006">
-    <mc:Choice xmlns:p159="http://schemas.microsoft.com/office/powerpoint/2015/09/main" Requires="p159">
+  <mc:AlternateContent xmlns:mc="http://schemas.openxmlformats.org/markup-compatibility/2006" xmlns:p159="http://schemas.microsoft.com/office/powerpoint/2015/09/main">
+    <mc:Choice Requires="p159">
       <p:transition xmlns:p14="http://schemas.microsoft.com/office/powerpoint/2010/main" spd="slow" p14:dur="2000">
         <p159:morph option="byObject"/>
       </p:transition>
     </mc:Choice>
-    <mc:Fallback>
+    <mc:Fallback xmlns="">
       <p:transition spd="slow">
         <p:fade/>
       </p:transition>
@@ -5271,13 +5271,13 @@
   <p:clrMapOvr>
     <a:masterClrMapping/>
   </p:clrMapOvr>
-  <mc:AlternateContent xmlns:mc="http://schemas.openxmlformats.org/markup-compatibility/2006">
-    <mc:Choice xmlns:p159="http://schemas.microsoft.com/office/powerpoint/2015/09/main" Requires="p159">
+  <mc:AlternateContent xmlns:mc="http://schemas.openxmlformats.org/markup-compatibility/2006" xmlns:p159="http://schemas.microsoft.com/office/powerpoint/2015/09/main">
+    <mc:Choice Requires="p159">
       <p:transition xmlns:p14="http://schemas.microsoft.com/office/powerpoint/2010/main" spd="slow" p14:dur="2000">
         <p159:morph option="byObject"/>
       </p:transition>
     </mc:Choice>
-    <mc:Fallback>
+    <mc:Fallback xmlns="">
       <p:transition spd="slow">
         <p:fade/>
       </p:transition>
@@ -5445,7 +5445,7 @@
           <a:p>
             <a:r>
               <a:rPr lang="ru-RU" dirty="0"/>
-              <a:t>Целью данной курсовой работы является разработка мобильного приложения для синтеза речи и чтения текстов (использование технологий </a:t>
+              <a:t>Целью данной курсового проекта является разработка мобильного приложения для синтеза речи и чтения текстов (использование технологий </a:t>
             </a:r>
             <a:r>
               <a:rPr lang="en-US" dirty="0"/>
@@ -5597,13 +5597,13 @@
   <p:clrMapOvr>
     <a:masterClrMapping/>
   </p:clrMapOvr>
-  <mc:AlternateContent xmlns:mc="http://schemas.openxmlformats.org/markup-compatibility/2006">
-    <mc:Choice xmlns:p159="http://schemas.microsoft.com/office/powerpoint/2015/09/main" Requires="p159">
+  <mc:AlternateContent xmlns:mc="http://schemas.openxmlformats.org/markup-compatibility/2006" xmlns:p159="http://schemas.microsoft.com/office/powerpoint/2015/09/main">
+    <mc:Choice Requires="p159">
       <p:transition xmlns:p14="http://schemas.microsoft.com/office/powerpoint/2010/main" spd="slow" p14:dur="2000">
         <p159:morph option="byObject"/>
       </p:transition>
     </mc:Choice>
-    <mc:Fallback>
+    <mc:Fallback xmlns="">
       <p:transition spd="slow">
         <p:fade/>
       </p:transition>
@@ -5806,13 +5806,13 @@
   <p:clrMapOvr>
     <a:masterClrMapping/>
   </p:clrMapOvr>
-  <mc:AlternateContent xmlns:mc="http://schemas.openxmlformats.org/markup-compatibility/2006">
-    <mc:Choice xmlns:p159="http://schemas.microsoft.com/office/powerpoint/2015/09/main" Requires="p159">
+  <mc:AlternateContent xmlns:mc="http://schemas.openxmlformats.org/markup-compatibility/2006" xmlns:p159="http://schemas.microsoft.com/office/powerpoint/2015/09/main">
+    <mc:Choice Requires="p159">
       <p:transition xmlns:p14="http://schemas.microsoft.com/office/powerpoint/2010/main" spd="slow" p14:dur="2000">
         <p159:morph option="byObject"/>
       </p:transition>
     </mc:Choice>
-    <mc:Fallback>
+    <mc:Fallback xmlns="">
       <p:transition spd="slow">
         <p:fade/>
       </p:transition>
@@ -5940,13 +5940,13 @@
   <p:clrMapOvr>
     <a:masterClrMapping/>
   </p:clrMapOvr>
-  <mc:AlternateContent xmlns:mc="http://schemas.openxmlformats.org/markup-compatibility/2006">
-    <mc:Choice xmlns:p159="http://schemas.microsoft.com/office/powerpoint/2015/09/main" Requires="p159">
+  <mc:AlternateContent xmlns:mc="http://schemas.openxmlformats.org/markup-compatibility/2006" xmlns:p159="http://schemas.microsoft.com/office/powerpoint/2015/09/main">
+    <mc:Choice Requires="p159">
       <p:transition xmlns:p14="http://schemas.microsoft.com/office/powerpoint/2010/main" spd="slow" p14:dur="2000">
         <p159:morph option="byObject"/>
       </p:transition>
     </mc:Choice>
-    <mc:Fallback>
+    <mc:Fallback xmlns="">
       <p:transition spd="slow">
         <p:fade/>
       </p:transition>
@@ -6136,13 +6136,13 @@
   <p:clrMapOvr>
     <a:masterClrMapping/>
   </p:clrMapOvr>
-  <mc:AlternateContent xmlns:mc="http://schemas.openxmlformats.org/markup-compatibility/2006">
-    <mc:Choice xmlns:p159="http://schemas.microsoft.com/office/powerpoint/2015/09/main" Requires="p159">
+  <mc:AlternateContent xmlns:mc="http://schemas.openxmlformats.org/markup-compatibility/2006" xmlns:p159="http://schemas.microsoft.com/office/powerpoint/2015/09/main">
+    <mc:Choice Requires="p159">
       <p:transition xmlns:p14="http://schemas.microsoft.com/office/powerpoint/2010/main" spd="slow" p14:dur="2000">
         <p159:morph option="byObject"/>
       </p:transition>
     </mc:Choice>
-    <mc:Fallback>
+    <mc:Fallback xmlns="">
       <p:transition spd="slow">
         <p:fade/>
       </p:transition>
@@ -6287,13 +6287,13 @@
   <p:clrMapOvr>
     <a:masterClrMapping/>
   </p:clrMapOvr>
-  <mc:AlternateContent xmlns:mc="http://schemas.openxmlformats.org/markup-compatibility/2006">
-    <mc:Choice xmlns:p159="http://schemas.microsoft.com/office/powerpoint/2015/09/main" Requires="p159">
+  <mc:AlternateContent xmlns:mc="http://schemas.openxmlformats.org/markup-compatibility/2006" xmlns:p159="http://schemas.microsoft.com/office/powerpoint/2015/09/main">
+    <mc:Choice Requires="p159">
       <p:transition xmlns:p14="http://schemas.microsoft.com/office/powerpoint/2010/main" spd="slow" p14:dur="2000">
         <p159:morph option="byObject"/>
       </p:transition>
     </mc:Choice>
-    <mc:Fallback>
+    <mc:Fallback xmlns="">
       <p:transition spd="slow">
         <p:fade/>
       </p:transition>
@@ -6497,13 +6497,13 @@
   <p:clrMapOvr>
     <a:masterClrMapping/>
   </p:clrMapOvr>
-  <mc:AlternateContent xmlns:mc="http://schemas.openxmlformats.org/markup-compatibility/2006">
-    <mc:Choice xmlns:p159="http://schemas.microsoft.com/office/powerpoint/2015/09/main" Requires="p159">
+  <mc:AlternateContent xmlns:mc="http://schemas.openxmlformats.org/markup-compatibility/2006" xmlns:p159="http://schemas.microsoft.com/office/powerpoint/2015/09/main">
+    <mc:Choice Requires="p159">
       <p:transition xmlns:p14="http://schemas.microsoft.com/office/powerpoint/2010/main" spd="slow" p14:dur="2000">
         <p159:morph option="byObject"/>
       </p:transition>
     </mc:Choice>
-    <mc:Fallback>
+    <mc:Fallback xmlns="">
       <p:transition spd="slow">
         <p:fade/>
       </p:transition>
@@ -6665,13 +6665,13 @@
   <p:clrMapOvr>
     <a:masterClrMapping/>
   </p:clrMapOvr>
-  <mc:AlternateContent xmlns:mc="http://schemas.openxmlformats.org/markup-compatibility/2006">
-    <mc:Choice xmlns:p159="http://schemas.microsoft.com/office/powerpoint/2015/09/main" Requires="p159">
+  <mc:AlternateContent xmlns:mc="http://schemas.openxmlformats.org/markup-compatibility/2006" xmlns:p159="http://schemas.microsoft.com/office/powerpoint/2015/09/main">
+    <mc:Choice Requires="p159">
       <p:transition xmlns:p14="http://schemas.microsoft.com/office/powerpoint/2010/main" spd="slow" p14:dur="2000">
         <p159:morph option="byObject"/>
       </p:transition>
     </mc:Choice>
-    <mc:Fallback>
+    <mc:Fallback xmlns="">
       <p:transition spd="slow">
         <p:fade/>
       </p:transition>
@@ -6784,13 +6784,13 @@
   <p:clrMapOvr>
     <a:masterClrMapping/>
   </p:clrMapOvr>
-  <mc:AlternateContent xmlns:mc="http://schemas.openxmlformats.org/markup-compatibility/2006">
-    <mc:Choice xmlns:p159="http://schemas.microsoft.com/office/powerpoint/2015/09/main" Requires="p159">
+  <mc:AlternateContent xmlns:mc="http://schemas.openxmlformats.org/markup-compatibility/2006" xmlns:p159="http://schemas.microsoft.com/office/powerpoint/2015/09/main">
+    <mc:Choice Requires="p159">
       <p:transition xmlns:p14="http://schemas.microsoft.com/office/powerpoint/2010/main" spd="slow" p14:dur="2000">
         <p159:morph option="byObject"/>
       </p:transition>
     </mc:Choice>
-    <mc:Fallback>
+    <mc:Fallback xmlns="">
       <p:transition spd="slow">
         <p:fade/>
       </p:transition>
@@ -7617,15 +7617,6 @@
 </file>
 
 <file path=customXml/item1.xml><?xml version="1.0" encoding="utf-8"?>
-<?mso-contentType ?>
-<FormTemplates xmlns="http://schemas.microsoft.com/sharepoint/v3/contenttype/forms">
-  <Display>DocumentLibraryForm</Display>
-  <Edit>DocumentLibraryForm</Edit>
-  <New>DocumentLibraryForm</New>
-</FormTemplates>
-</file>
-
-<file path=customXml/item2.xml><?xml version="1.0" encoding="utf-8"?>
 <ct:contentTypeSchema xmlns:ct="http://schemas.microsoft.com/office/2006/metadata/contentType" xmlns:ma="http://schemas.microsoft.com/office/2006/metadata/properties/metaAttributes" ct:_="" ma:_="" ma:contentTypeName="Document" ma:contentTypeID="0x01010079F111ED35F8CC479449609E8A0923A6" ma:contentTypeVersion="11" ma:contentTypeDescription="Create a new document." ma:contentTypeScope="" ma:versionID="9677210f24a1be23c92c90fd886aa0aa">
   <xsd:schema xmlns:xsd="http://www.w3.org/2001/XMLSchema" xmlns:xs="http://www.w3.org/2001/XMLSchema" xmlns:p="http://schemas.microsoft.com/office/2006/metadata/properties" xmlns:ns2="71af3243-3dd4-4a8d-8c0d-dd76da1f02a5" xmlns:ns3="16c05727-aa75-4e4a-9b5f-8a80a1165891" targetNamespace="http://schemas.microsoft.com/office/2006/metadata/properties" ma:root="true" ma:fieldsID="60e05723c5c1908df1a1a4ebf11d344e" ns2:_="" ns3:_="">
     <xsd:import namespace="71af3243-3dd4-4a8d-8c0d-dd76da1f02a5"/>
@@ -7836,6 +7827,15 @@
 </ct:contentTypeSchema>
 </file>
 
+<file path=customXml/item2.xml><?xml version="1.0" encoding="utf-8"?>
+<?mso-contentType ?>
+<FormTemplates xmlns="http://schemas.microsoft.com/sharepoint/v3/contenttype/forms">
+  <Display>DocumentLibraryForm</Display>
+  <Edit>DocumentLibraryForm</Edit>
+  <New>DocumentLibraryForm</New>
+</FormTemplates>
+</file>
+
 <file path=customXml/item3.xml><?xml version="1.0" encoding="utf-8"?>
 <p:properties xmlns:p="http://schemas.microsoft.com/office/2006/metadata/properties" xmlns:xsi="http://www.w3.org/2001/XMLSchema-instance" xmlns:pc="http://schemas.microsoft.com/office/infopath/2007/PartnerControls">
   <documentManagement>
@@ -7845,14 +7845,6 @@
 </file>
 
 <file path=customXml/itemProps1.xml><?xml version="1.0" encoding="utf-8"?>
-<ds:datastoreItem xmlns:ds="http://schemas.openxmlformats.org/officeDocument/2006/customXml" ds:itemID="{D226911E-AE6C-4963-864C-FEDEB2DC7729}">
-  <ds:schemaRefs>
-    <ds:schemaRef ds:uri="http://schemas.microsoft.com/sharepoint/v3/contenttype/forms"/>
-  </ds:schemaRefs>
-</ds:datastoreItem>
-</file>
-
-<file path=customXml/itemProps2.xml><?xml version="1.0" encoding="utf-8"?>
 <ds:datastoreItem xmlns:ds="http://schemas.openxmlformats.org/officeDocument/2006/customXml" ds:itemID="{B6451C01-71EB-4236-9458-377C31D5C06D}">
   <ds:schemaRefs>
     <ds:schemaRef ds:uri="http://schemas.microsoft.com/office/2006/metadata/contentType"/>
@@ -7867,6 +7859,14 @@
     <ds:schemaRef ds:uri="http://purl.org/dc/elements/1.1/"/>
     <ds:schemaRef ds:uri="http://purl.org/dc/terms/"/>
     <ds:schemaRef ds:uri="http://schemas.microsoft.com/internal/obd"/>
+  </ds:schemaRefs>
+</ds:datastoreItem>
+</file>
+
+<file path=customXml/itemProps2.xml><?xml version="1.0" encoding="utf-8"?>
+<ds:datastoreItem xmlns:ds="http://schemas.openxmlformats.org/officeDocument/2006/customXml" ds:itemID="{D226911E-AE6C-4963-864C-FEDEB2DC7729}">
+  <ds:schemaRefs>
+    <ds:schemaRef ds:uri="http://schemas.microsoft.com/sharepoint/v3/contenttype/forms"/>
   </ds:schemaRefs>
 </ds:datastoreItem>
 </file>
